--- a/Stock Market Vs Unemployment v2.pptx
+++ b/Stock Market Vs Unemployment v2.pptx
@@ -15,14 +15,16 @@
     <p:sldId id="268" r:id="rId9"/>
     <p:sldId id="269" r:id="rId10"/>
     <p:sldId id="260" r:id="rId11"/>
-    <p:sldId id="271" r:id="rId12"/>
-    <p:sldId id="270" r:id="rId13"/>
-    <p:sldId id="277" r:id="rId14"/>
-    <p:sldId id="278" r:id="rId15"/>
-    <p:sldId id="279" r:id="rId16"/>
-    <p:sldId id="280" r:id="rId17"/>
-    <p:sldId id="263" r:id="rId18"/>
-    <p:sldId id="267" r:id="rId19"/>
+    <p:sldId id="281" r:id="rId12"/>
+    <p:sldId id="271" r:id="rId13"/>
+    <p:sldId id="270" r:id="rId14"/>
+    <p:sldId id="277" r:id="rId15"/>
+    <p:sldId id="278" r:id="rId16"/>
+    <p:sldId id="279" r:id="rId17"/>
+    <p:sldId id="280" r:id="rId18"/>
+    <p:sldId id="282" r:id="rId19"/>
+    <p:sldId id="263" r:id="rId20"/>
+    <p:sldId id="267" r:id="rId21"/>
   </p:sldIdLst>
   <p:sldSz cx="12192000" cy="6858000"/>
   <p:notesSz cx="6858000" cy="9144000"/>
@@ -373,7 +375,7 @@
           <a:p>
             <a:fld id="{9184DA70-C731-4C70-880D-CCD4705E623C}" type="datetime1">
               <a:rPr lang="en-US" smtClean="0"/>
-              <a:t>12/27/20</a:t>
+              <a:t>12/29/20</a:t>
             </a:fld>
             <a:endParaRPr lang="en-US" dirty="0"/>
           </a:p>
@@ -561,7 +563,7 @@
           <a:p>
             <a:fld id="{B612A279-0833-481D-8C56-F67FD0AC6C50}" type="datetime1">
               <a:rPr lang="en-US" smtClean="0"/>
-              <a:t>12/27/20</a:t>
+              <a:t>12/29/20</a:t>
             </a:fld>
             <a:endParaRPr lang="en-US" dirty="0"/>
           </a:p>
@@ -803,7 +805,7 @@
           <a:p>
             <a:fld id="{6587DA83-5663-4C9C-B9AA-0B40A3DAFF81}" type="datetime1">
               <a:rPr lang="en-US" smtClean="0"/>
-              <a:t>12/27/20</a:t>
+              <a:t>12/29/20</a:t>
             </a:fld>
             <a:endParaRPr lang="en-US" dirty="0"/>
           </a:p>
@@ -991,7 +993,7 @@
           <a:p>
             <a:fld id="{4BE1D723-8F53-4F53-90B0-1982A396982E}" type="datetime1">
               <a:rPr lang="en-US" smtClean="0"/>
-              <a:t>12/27/20</a:t>
+              <a:t>12/29/20</a:t>
             </a:fld>
             <a:endParaRPr lang="en-US" dirty="0"/>
           </a:p>
@@ -1364,7 +1366,7 @@
           <a:p>
             <a:fld id="{97669AF7-7BEB-44E4-9852-375E34362B5B}" type="datetime1">
               <a:rPr lang="en-US" smtClean="0"/>
-              <a:t>12/27/20</a:t>
+              <a:t>12/29/20</a:t>
             </a:fld>
             <a:endParaRPr lang="en-US" dirty="0"/>
           </a:p>
@@ -1619,7 +1621,7 @@
           <a:p>
             <a:fld id="{BAAAC38D-0552-4C82-B593-E6124DFADBE2}" type="datetime1">
               <a:rPr lang="en-US" smtClean="0"/>
-              <a:t>12/27/20</a:t>
+              <a:t>12/29/20</a:t>
             </a:fld>
             <a:endParaRPr lang="en-US" dirty="0"/>
           </a:p>
@@ -2016,7 +2018,7 @@
           <a:p>
             <a:fld id="{D9DF0F1C-5577-4ACB-BB62-DF8F3C494C7E}" type="datetime1">
               <a:rPr lang="en-US" smtClean="0"/>
-              <a:t>12/27/20</a:t>
+              <a:t>12/29/20</a:t>
             </a:fld>
             <a:endParaRPr lang="en-US" dirty="0"/>
           </a:p>
@@ -2152,7 +2154,7 @@
           <a:p>
             <a:fld id="{1775B394-D9F9-4F0C-B15D-605F45CB9E9F}" type="datetime1">
               <a:rPr lang="en-US" smtClean="0"/>
-              <a:t>12/27/20</a:t>
+              <a:t>12/29/20</a:t>
             </a:fld>
             <a:endParaRPr lang="en-US" dirty="0"/>
           </a:p>
@@ -2309,7 +2311,7 @@
           <a:p>
             <a:fld id="{39667345-2558-425A-8533-9BFDBCE15005}" type="datetime1">
               <a:rPr lang="en-US" smtClean="0"/>
-              <a:t>12/27/20</a:t>
+              <a:t>12/29/20</a:t>
             </a:fld>
             <a:endParaRPr lang="en-US" dirty="0"/>
           </a:p>
@@ -2638,7 +2640,7 @@
           <a:p>
             <a:fld id="{92BEA474-078D-4E9B-9B14-09A87B19DC46}" type="datetime1">
               <a:rPr lang="en-US" smtClean="0"/>
-              <a:t>12/27/20</a:t>
+              <a:t>12/29/20</a:t>
             </a:fld>
             <a:endParaRPr lang="en-US" dirty="0"/>
           </a:p>
@@ -2988,7 +2990,7 @@
           <a:p>
             <a:fld id="{4907D986-8816-4272-A432-0437A28A9828}" type="datetime1">
               <a:rPr lang="en-US" smtClean="0"/>
-              <a:t>12/27/20</a:t>
+              <a:t>12/29/20</a:t>
             </a:fld>
             <a:endParaRPr lang="en-US" dirty="0"/>
           </a:p>
@@ -3249,7 +3251,7 @@
           <a:p>
             <a:fld id="{62D6E202-B606-4609-B914-27C9371A1F6D}" type="datetime1">
               <a:rPr lang="en-US" smtClean="0"/>
-              <a:t>12/27/20</a:t>
+              <a:t>12/29/20</a:t>
             </a:fld>
             <a:endParaRPr lang="en-US" dirty="0"/>
           </a:p>
@@ -4436,6 +4438,253 @@
           <p:cNvPr id="2" name="Title 1">
             <a:extLst>
               <a:ext uri="{FF2B5EF4-FFF2-40B4-BE49-F238E27FC236}">
+                <a16:creationId xmlns:a16="http://schemas.microsoft.com/office/drawing/2014/main" id="{1FF8C957-05A2-45EC-A55F-789C39A05056}"/>
+              </a:ext>
+            </a:extLst>
+          </p:cNvPr>
+          <p:cNvSpPr>
+            <a:spLocks noGrp="1"/>
+          </p:cNvSpPr>
+          <p:nvPr>
+            <p:ph type="title"/>
+          </p:nvPr>
+        </p:nvSpPr>
+        <p:spPr>
+          <a:xfrm>
+            <a:off x="1106590" y="2012831"/>
+            <a:ext cx="4234917" cy="457200"/>
+          </a:xfrm>
+        </p:spPr>
+        <p:txBody>
+          <a:bodyPr>
+            <a:normAutofit/>
+          </a:bodyPr>
+          <a:lstStyle/>
+          <a:p>
+            <a:pPr algn="ctr"/>
+            <a:r>
+              <a:rPr lang="en-US" sz="2400" dirty="0"/>
+              <a:t>Dow Jones</a:t>
+            </a:r>
+          </a:p>
+        </p:txBody>
+      </p:sp>
+      <p:sp>
+        <p:nvSpPr>
+          <p:cNvPr id="6" name="Title 1">
+            <a:extLst>
+              <a:ext uri="{FF2B5EF4-FFF2-40B4-BE49-F238E27FC236}">
+                <a16:creationId xmlns:a16="http://schemas.microsoft.com/office/drawing/2014/main" id="{9D962B5A-BB11-4CD3-B98F-26224F7268C7}"/>
+              </a:ext>
+            </a:extLst>
+          </p:cNvPr>
+          <p:cNvSpPr txBox="1">
+            <a:spLocks/>
+          </p:cNvSpPr>
+          <p:nvPr/>
+        </p:nvSpPr>
+        <p:spPr>
+          <a:xfrm>
+            <a:off x="6320001" y="2012831"/>
+            <a:ext cx="4234917" cy="501769"/>
+          </a:xfrm>
+          <a:prstGeom prst="rect">
+            <a:avLst/>
+          </a:prstGeom>
+        </p:spPr>
+        <p:txBody>
+          <a:bodyPr vert="horz" lIns="91440" tIns="45720" rIns="91440" bIns="45720" rtlCol="0" anchor="b">
+            <a:noAutofit/>
+          </a:bodyPr>
+          <a:lstStyle>
+            <a:lvl1pPr algn="l" defTabSz="914400" rtl="0" eaLnBrk="1" latinLnBrk="0" hangingPunct="1">
+              <a:lnSpc>
+                <a:spcPct val="90000"/>
+              </a:lnSpc>
+              <a:spcBef>
+                <a:spcPct val="0"/>
+              </a:spcBef>
+              <a:buNone/>
+              <a:defRPr sz="4700" i="0" kern="1200" spc="-50" baseline="0">
+                <a:solidFill>
+                  <a:schemeClr val="tx1">
+                    <a:lumMod val="75000"/>
+                    <a:lumOff val="25000"/>
+                  </a:schemeClr>
+                </a:solidFill>
+                <a:latin typeface="+mj-lt"/>
+                <a:ea typeface="+mj-ea"/>
+                <a:cs typeface="+mj-cs"/>
+              </a:defRPr>
+            </a:lvl1pPr>
+          </a:lstStyle>
+          <a:p>
+            <a:pPr algn="ctr"/>
+            <a:r>
+              <a:rPr lang="en-US" sz="2400" dirty="0"/>
+              <a:t>Bureau of Labor Statistics</a:t>
+            </a:r>
+          </a:p>
+        </p:txBody>
+      </p:sp>
+      <p:sp>
+        <p:nvSpPr>
+          <p:cNvPr id="11" name="TextBox 10">
+            <a:extLst>
+              <a:ext uri="{FF2B5EF4-FFF2-40B4-BE49-F238E27FC236}">
+                <a16:creationId xmlns:a16="http://schemas.microsoft.com/office/drawing/2014/main" id="{68BD40D6-D4CA-4BE8-9B10-A5A154A9BE31}"/>
+              </a:ext>
+            </a:extLst>
+          </p:cNvPr>
+          <p:cNvSpPr txBox="1"/>
+          <p:nvPr/>
+        </p:nvSpPr>
+        <p:spPr>
+          <a:xfrm>
+            <a:off x="2268809" y="5764614"/>
+            <a:ext cx="4244227" cy="369332"/>
+          </a:xfrm>
+          <a:prstGeom prst="rect">
+            <a:avLst/>
+          </a:prstGeom>
+          <a:noFill/>
+        </p:spPr>
+        <p:txBody>
+          <a:bodyPr wrap="square" rtlCol="0">
+            <a:spAutoFit/>
+          </a:bodyPr>
+          <a:lstStyle/>
+          <a:p>
+            <a:r>
+              <a:rPr lang="en-US" dirty="0"/>
+              <a:t>Index Price vs. Year</a:t>
+            </a:r>
+          </a:p>
+        </p:txBody>
+      </p:sp>
+      <p:sp>
+        <p:nvSpPr>
+          <p:cNvPr id="12" name="TextBox 11">
+            <a:extLst>
+              <a:ext uri="{FF2B5EF4-FFF2-40B4-BE49-F238E27FC236}">
+                <a16:creationId xmlns:a16="http://schemas.microsoft.com/office/drawing/2014/main" id="{172292A6-F786-46EB-936D-B7257C73636B}"/>
+              </a:ext>
+            </a:extLst>
+          </p:cNvPr>
+          <p:cNvSpPr txBox="1"/>
+          <p:nvPr/>
+        </p:nvSpPr>
+        <p:spPr>
+          <a:xfrm>
+            <a:off x="6617700" y="5747275"/>
+            <a:ext cx="4244227" cy="369332"/>
+          </a:xfrm>
+          <a:prstGeom prst="rect">
+            <a:avLst/>
+          </a:prstGeom>
+          <a:noFill/>
+        </p:spPr>
+        <p:txBody>
+          <a:bodyPr wrap="square" rtlCol="0">
+            <a:spAutoFit/>
+          </a:bodyPr>
+          <a:lstStyle/>
+          <a:p>
+            <a:r>
+              <a:rPr lang="en-US" dirty="0"/>
+              <a:t>Unemployment Change Rate vs. Year</a:t>
+            </a:r>
+          </a:p>
+        </p:txBody>
+      </p:sp>
+      <p:sp>
+        <p:nvSpPr>
+          <p:cNvPr id="17" name="TextBox 16">
+            <a:extLst>
+              <a:ext uri="{FF2B5EF4-FFF2-40B4-BE49-F238E27FC236}">
+                <a16:creationId xmlns:a16="http://schemas.microsoft.com/office/drawing/2014/main" id="{FE88F97F-D0D7-4366-8DB7-F90F91849C1D}"/>
+              </a:ext>
+            </a:extLst>
+          </p:cNvPr>
+          <p:cNvSpPr txBox="1"/>
+          <p:nvPr/>
+        </p:nvSpPr>
+        <p:spPr>
+          <a:xfrm>
+            <a:off x="1097280" y="741393"/>
+            <a:ext cx="9964181" cy="646331"/>
+          </a:xfrm>
+          <a:prstGeom prst="rect">
+            <a:avLst/>
+          </a:prstGeom>
+          <a:noFill/>
+        </p:spPr>
+        <p:txBody>
+          <a:bodyPr wrap="square" rtlCol="0">
+            <a:spAutoFit/>
+          </a:bodyPr>
+          <a:lstStyle/>
+          <a:p>
+            <a:pPr algn="ctr">
+              <a:lnSpc>
+                <a:spcPct val="90000"/>
+              </a:lnSpc>
+              <a:spcBef>
+                <a:spcPct val="0"/>
+              </a:spcBef>
+            </a:pPr>
+            <a:r>
+              <a:rPr lang="en-US" sz="4000" spc="-50" dirty="0">
+                <a:solidFill>
+                  <a:schemeClr val="tx1">
+                    <a:lumMod val="75000"/>
+                    <a:lumOff val="25000"/>
+                  </a:schemeClr>
+                </a:solidFill>
+                <a:latin typeface="+mj-lt"/>
+                <a:ea typeface="+mj-ea"/>
+                <a:cs typeface="+mj-cs"/>
+              </a:rPr>
+              <a:t>Yearly Change Breakdown</a:t>
+            </a:r>
+          </a:p>
+        </p:txBody>
+      </p:sp>
+    </p:spTree>
+    <p:extLst>
+      <p:ext uri="{BB962C8B-B14F-4D97-AF65-F5344CB8AC3E}">
+        <p14:creationId xmlns:p14="http://schemas.microsoft.com/office/powerpoint/2010/main" val="1997588321"/>
+      </p:ext>
+    </p:extLst>
+  </p:cSld>
+  <p:clrMapOvr>
+    <a:masterClrMapping/>
+  </p:clrMapOvr>
+</p:sld>
+</file>
+
+<file path=ppt/slides/slide12.xml><?xml version="1.0" encoding="utf-8"?>
+<p:sld xmlns:a="http://schemas.openxmlformats.org/drawingml/2006/main" xmlns:r="http://schemas.openxmlformats.org/officeDocument/2006/relationships" xmlns:p="http://schemas.openxmlformats.org/presentationml/2006/main">
+  <p:cSld>
+    <p:spTree>
+      <p:nvGrpSpPr>
+        <p:cNvPr id="1" name=""/>
+        <p:cNvGrpSpPr/>
+        <p:nvPr/>
+      </p:nvGrpSpPr>
+      <p:grpSpPr>
+        <a:xfrm>
+          <a:off x="0" y="0"/>
+          <a:ext cx="0" cy="0"/>
+          <a:chOff x="0" y="0"/>
+          <a:chExt cx="0" cy="0"/>
+        </a:xfrm>
+      </p:grpSpPr>
+      <p:sp>
+        <p:nvSpPr>
+          <p:cNvPr id="2" name="Title 1">
+            <a:extLst>
+              <a:ext uri="{FF2B5EF4-FFF2-40B4-BE49-F238E27FC236}">
                 <a16:creationId xmlns:a16="http://schemas.microsoft.com/office/drawing/2014/main" id="{12C9B1EB-9637-4051-A82B-3F51D911E971}"/>
               </a:ext>
             </a:extLst>
@@ -5130,146 +5379,12 @@
           </a:prstGeom>
         </p:spPr>
       </p:pic>
-    </p:spTree>
-    <p:extLst>
-      <p:ext uri="{BB962C8B-B14F-4D97-AF65-F5344CB8AC3E}">
-        <p14:creationId xmlns:p14="http://schemas.microsoft.com/office/powerpoint/2010/main" val="4206509612"/>
-      </p:ext>
-    </p:extLst>
-  </p:cSld>
-  <p:clrMapOvr>
-    <a:masterClrMapping/>
-  </p:clrMapOvr>
-</p:sld>
-</file>
-
-<file path=ppt/slides/slide12.xml><?xml version="1.0" encoding="utf-8"?>
-<p:sld xmlns:a="http://schemas.openxmlformats.org/drawingml/2006/main" xmlns:r="http://schemas.openxmlformats.org/officeDocument/2006/relationships" xmlns:p="http://schemas.openxmlformats.org/presentationml/2006/main">
-  <p:cSld>
-    <p:spTree>
-      <p:nvGrpSpPr>
-        <p:cNvPr id="1" name=""/>
-        <p:cNvGrpSpPr/>
-        <p:nvPr/>
-      </p:nvGrpSpPr>
-      <p:grpSpPr>
-        <a:xfrm>
-          <a:off x="0" y="0"/>
-          <a:ext cx="0" cy="0"/>
-          <a:chOff x="0" y="0"/>
-          <a:chExt cx="0" cy="0"/>
-        </a:xfrm>
-      </p:grpSpPr>
-      <p:sp>
-        <p:nvSpPr>
-          <p:cNvPr id="2" name="Title 1">
-            <a:extLst>
-              <a:ext uri="{FF2B5EF4-FFF2-40B4-BE49-F238E27FC236}">
-                <a16:creationId xmlns:a16="http://schemas.microsoft.com/office/drawing/2014/main" id="{2BE986B9-B3E2-40FB-8BB0-47C8146FECF3}"/>
-              </a:ext>
-            </a:extLst>
-          </p:cNvPr>
-          <p:cNvSpPr>
-            <a:spLocks noGrp="1"/>
-          </p:cNvSpPr>
-          <p:nvPr>
-            <p:ph type="title"/>
-          </p:nvPr>
-        </p:nvSpPr>
-        <p:spPr/>
-        <p:txBody>
-          <a:bodyPr/>
-          <a:lstStyle/>
-          <a:p>
-            <a:r>
-              <a:rPr lang="en-US" dirty="0"/>
-              <a:t>Data Analysis</a:t>
-            </a:r>
-          </a:p>
-        </p:txBody>
-      </p:sp>
-      <p:sp>
-        <p:nvSpPr>
-          <p:cNvPr id="4" name="TextBox 3">
-            <a:extLst>
-              <a:ext uri="{FF2B5EF4-FFF2-40B4-BE49-F238E27FC236}">
-                <a16:creationId xmlns:a16="http://schemas.microsoft.com/office/drawing/2014/main" id="{B5D504D4-CB1C-4B7D-936B-4AE4DE54AE15}"/>
-              </a:ext>
-            </a:extLst>
-          </p:cNvPr>
-          <p:cNvSpPr txBox="1"/>
-          <p:nvPr/>
-        </p:nvSpPr>
-        <p:spPr>
-          <a:xfrm>
-            <a:off x="1097280" y="2235835"/>
-            <a:ext cx="4089550" cy="2308324"/>
-          </a:xfrm>
-          <a:prstGeom prst="rect">
-            <a:avLst/>
-          </a:prstGeom>
-          <a:noFill/>
-        </p:spPr>
-        <p:txBody>
-          <a:bodyPr wrap="square" rtlCol="0">
-            <a:spAutoFit/>
-          </a:bodyPr>
-          <a:lstStyle/>
-          <a:p>
-            <a:pPr marL="285750" indent="-285750">
-              <a:buFont typeface="Arial" panose="020B0604020202020204" pitchFamily="34" charset="0"/>
-              <a:buChar char="•"/>
-            </a:pPr>
-            <a:r>
-              <a:rPr lang="en-US" dirty="0"/>
-              <a:t>Correlation Analysis – National Unemployment Rate vs Dow Jones Index</a:t>
-            </a:r>
-          </a:p>
-          <a:p>
-            <a:pPr marL="742950" lvl="1" indent="-285750">
-              <a:buFont typeface="Arial" panose="020B0604020202020204" pitchFamily="34" charset="0"/>
-              <a:buChar char="•"/>
-            </a:pPr>
-            <a:r>
-              <a:rPr lang="en-US" dirty="0"/>
-              <a:t>30 years (1986-2016)</a:t>
-            </a:r>
-          </a:p>
-          <a:p>
-            <a:pPr marL="742950" lvl="1" indent="-285750">
-              <a:buFont typeface="Arial" panose="020B0604020202020204" pitchFamily="34" charset="0"/>
-              <a:buChar char="•"/>
-            </a:pPr>
-            <a:r>
-              <a:rPr lang="en-US" dirty="0"/>
-              <a:t>R-value equals -0.48</a:t>
-            </a:r>
-          </a:p>
-          <a:p>
-            <a:pPr marL="1200150" lvl="2" indent="-285750">
-              <a:buFont typeface="Arial" panose="020B0604020202020204" pitchFamily="34" charset="0"/>
-              <a:buChar char="•"/>
-            </a:pPr>
-            <a:r>
-              <a:rPr lang="en-US" dirty="0"/>
-              <a:t>Moderate negative relationship</a:t>
-            </a:r>
-          </a:p>
-          <a:p>
-            <a:pPr marL="285750" indent="-285750">
-              <a:buFont typeface="Arial" panose="020B0604020202020204" pitchFamily="34" charset="0"/>
-              <a:buChar char="•"/>
-            </a:pPr>
-            <a:endParaRPr lang="en-US" dirty="0"/>
-          </a:p>
-        </p:txBody>
-      </p:sp>
       <p:pic>
         <p:nvPicPr>
-          <p:cNvPr id="5" name="Picture 4">
-            <a:extLst>
-              <a:ext uri="{FF2B5EF4-FFF2-40B4-BE49-F238E27FC236}">
-                <a16:creationId xmlns:a16="http://schemas.microsoft.com/office/drawing/2014/main" id="{255AD357-0547-074A-898A-68BE674F3B4C}"/>
+          <p:cNvPr id="6" name="Picture 5">
+            <a:extLst>
+              <a:ext uri="{FF2B5EF4-FFF2-40B4-BE49-F238E27FC236}">
+                <a16:creationId xmlns:a16="http://schemas.microsoft.com/office/drawing/2014/main" id="{4505B8E0-2C85-A04B-82EE-7A8EC105AF6F}"/>
               </a:ext>
             </a:extLst>
           </p:cNvPr>
@@ -5279,7 +5394,7 @@
           <p:nvPr/>
         </p:nvPicPr>
         <p:blipFill>
-          <a:blip r:embed="rId2">
+          <a:blip r:embed="rId3">
             <a:extLst>
               <a:ext uri="{28A0092B-C50C-407E-A947-70E740481C1C}">
                 <a14:useLocalDpi xmlns:a14="http://schemas.microsoft.com/office/drawing/2010/main" val="0"/>
@@ -5292,38 +5407,8 @@
         </p:blipFill>
         <p:spPr>
           <a:xfrm>
-            <a:off x="4986779" y="2235835"/>
-            <a:ext cx="6051913" cy="3853812"/>
-          </a:xfrm>
-          <a:prstGeom prst="rect">
-            <a:avLst/>
-          </a:prstGeom>
-        </p:spPr>
-      </p:pic>
-      <p:pic>
-        <p:nvPicPr>
-          <p:cNvPr id="6" name="Picture 5">
-            <a:extLst>
-              <a:ext uri="{FF2B5EF4-FFF2-40B4-BE49-F238E27FC236}">
-                <a16:creationId xmlns:a16="http://schemas.microsoft.com/office/drawing/2014/main" id="{96BDAA63-5A0D-9E49-BC9E-8F6133CADCC5}"/>
-              </a:ext>
-            </a:extLst>
-          </p:cNvPr>
-          <p:cNvPicPr>
-            <a:picLocks noChangeAspect="1"/>
-          </p:cNvPicPr>
-          <p:nvPr/>
-        </p:nvPicPr>
-        <p:blipFill>
-          <a:blip r:embed="rId3"/>
-          <a:stretch>
-            <a:fillRect/>
-          </a:stretch>
-        </p:blipFill>
-        <p:spPr>
-          <a:xfrm>
-            <a:off x="5430879" y="434779"/>
-            <a:ext cx="2355566" cy="1302581"/>
+            <a:off x="6095999" y="2581507"/>
+            <a:ext cx="4997747" cy="2265555"/>
           </a:xfrm>
           <a:prstGeom prst="rect">
             <a:avLst/>
@@ -5333,7 +5418,7 @@
     </p:spTree>
     <p:extLst>
       <p:ext uri="{BB962C8B-B14F-4D97-AF65-F5344CB8AC3E}">
-        <p14:creationId xmlns:p14="http://schemas.microsoft.com/office/powerpoint/2010/main" val="710439713"/>
+        <p14:creationId xmlns:p14="http://schemas.microsoft.com/office/powerpoint/2010/main" val="4206509612"/>
       </p:ext>
     </p:extLst>
   </p:cSld>
@@ -5383,7 +5468,7 @@
           <a:p>
             <a:r>
               <a:rPr lang="en-US" dirty="0"/>
-              <a:t>Data Analysis – 1986 to 1996</a:t>
+              <a:t>Data Analysis</a:t>
             </a:r>
           </a:p>
         </p:txBody>
@@ -5403,7 +5488,7 @@
         <p:spPr>
           <a:xfrm>
             <a:off x="1097280" y="2235835"/>
-            <a:ext cx="4089550" cy="1200329"/>
+            <a:ext cx="4089550" cy="2308324"/>
           </a:xfrm>
           <a:prstGeom prst="rect">
             <a:avLst/>
@@ -5422,17 +5507,7 @@
             </a:pPr>
             <a:r>
               <a:rPr lang="en-US" dirty="0"/>
-              <a:t>10 years (1986-1996)</a:t>
-            </a:r>
-          </a:p>
-          <a:p>
-            <a:pPr marL="285750" indent="-285750">
-              <a:buFont typeface="Arial" panose="020B0604020202020204" pitchFamily="34" charset="0"/>
-              <a:buChar char="•"/>
-            </a:pPr>
-            <a:r>
-              <a:rPr lang="en-US" dirty="0"/>
-              <a:t>R-value equals 0.11</a:t>
+              <a:t>Correlation Analysis – National Unemployment Rate vs Dow Jones Index</a:t>
             </a:r>
           </a:p>
           <a:p>
@@ -5442,7 +5517,27 @@
             </a:pPr>
             <a:r>
               <a:rPr lang="en-US" dirty="0"/>
-              <a:t>Almost no linear relationship</a:t>
+              <a:t>30 years (1986-2016)</a:t>
+            </a:r>
+          </a:p>
+          <a:p>
+            <a:pPr marL="742950" lvl="1" indent="-285750">
+              <a:buFont typeface="Arial" panose="020B0604020202020204" pitchFamily="34" charset="0"/>
+              <a:buChar char="•"/>
+            </a:pPr>
+            <a:r>
+              <a:rPr lang="en-US" dirty="0"/>
+              <a:t>R-value equals -0.48</a:t>
+            </a:r>
+          </a:p>
+          <a:p>
+            <a:pPr marL="1200150" lvl="2" indent="-285750">
+              <a:buFont typeface="Arial" panose="020B0604020202020204" pitchFamily="34" charset="0"/>
+              <a:buChar char="•"/>
+            </a:pPr>
+            <a:r>
+              <a:rPr lang="en-US" dirty="0"/>
+              <a:t>Moderate negative relationship</a:t>
             </a:r>
           </a:p>
           <a:p>
@@ -5456,10 +5551,10 @@
       </p:sp>
       <p:pic>
         <p:nvPicPr>
-          <p:cNvPr id="6" name="Picture 5">
-            <a:extLst>
-              <a:ext uri="{FF2B5EF4-FFF2-40B4-BE49-F238E27FC236}">
-                <a16:creationId xmlns:a16="http://schemas.microsoft.com/office/drawing/2014/main" id="{F8E435D1-1C48-4941-B345-418AFA48E5B7}"/>
+          <p:cNvPr id="5" name="Picture 4">
+            <a:extLst>
+              <a:ext uri="{FF2B5EF4-FFF2-40B4-BE49-F238E27FC236}">
+                <a16:creationId xmlns:a16="http://schemas.microsoft.com/office/drawing/2014/main" id="{255AD357-0547-074A-898A-68BE674F3B4C}"/>
               </a:ext>
             </a:extLst>
           </p:cNvPr>
@@ -5482,8 +5577,38 @@
         </p:blipFill>
         <p:spPr>
           <a:xfrm>
-            <a:off x="5646657" y="2158738"/>
-            <a:ext cx="5562882" cy="3735269"/>
+            <a:off x="4986779" y="2235835"/>
+            <a:ext cx="6051913" cy="3853812"/>
+          </a:xfrm>
+          <a:prstGeom prst="rect">
+            <a:avLst/>
+          </a:prstGeom>
+        </p:spPr>
+      </p:pic>
+      <p:pic>
+        <p:nvPicPr>
+          <p:cNvPr id="6" name="Picture 5">
+            <a:extLst>
+              <a:ext uri="{FF2B5EF4-FFF2-40B4-BE49-F238E27FC236}">
+                <a16:creationId xmlns:a16="http://schemas.microsoft.com/office/drawing/2014/main" id="{96BDAA63-5A0D-9E49-BC9E-8F6133CADCC5}"/>
+              </a:ext>
+            </a:extLst>
+          </p:cNvPr>
+          <p:cNvPicPr>
+            <a:picLocks noChangeAspect="1"/>
+          </p:cNvPicPr>
+          <p:nvPr/>
+        </p:nvPicPr>
+        <p:blipFill>
+          <a:blip r:embed="rId3"/>
+          <a:stretch>
+            <a:fillRect/>
+          </a:stretch>
+        </p:blipFill>
+        <p:spPr>
+          <a:xfrm>
+            <a:off x="5430879" y="434779"/>
+            <a:ext cx="2355566" cy="1302581"/>
           </a:xfrm>
           <a:prstGeom prst="rect">
             <a:avLst/>
@@ -5493,7 +5618,7 @@
     </p:spTree>
     <p:extLst>
       <p:ext uri="{BB962C8B-B14F-4D97-AF65-F5344CB8AC3E}">
-        <p14:creationId xmlns:p14="http://schemas.microsoft.com/office/powerpoint/2010/main" val="3333280500"/>
+        <p14:creationId xmlns:p14="http://schemas.microsoft.com/office/powerpoint/2010/main" val="710439713"/>
       </p:ext>
     </p:extLst>
   </p:cSld>
@@ -5543,7 +5668,7 @@
           <a:p>
             <a:r>
               <a:rPr lang="en-US" dirty="0"/>
-              <a:t>Data Analysis – 1996 to 2006</a:t>
+              <a:t>Data Analysis – 1986 to 1996</a:t>
             </a:r>
           </a:p>
         </p:txBody>
@@ -5563,7 +5688,7 @@
         <p:spPr>
           <a:xfrm>
             <a:off x="1097280" y="2235835"/>
-            <a:ext cx="4089550" cy="1477328"/>
+            <a:ext cx="4089550" cy="1200329"/>
           </a:xfrm>
           <a:prstGeom prst="rect">
             <a:avLst/>
@@ -5582,7 +5707,7 @@
             </a:pPr>
             <a:r>
               <a:rPr lang="en-US" dirty="0"/>
-              <a:t>10 years (1996-2006)</a:t>
+              <a:t>10 years (1986-1996)</a:t>
             </a:r>
           </a:p>
           <a:p>
@@ -5592,7 +5717,7 @@
             </a:pPr>
             <a:r>
               <a:rPr lang="en-US" dirty="0"/>
-              <a:t>R-value equals -0.49</a:t>
+              <a:t>R-value equals 0.11</a:t>
             </a:r>
           </a:p>
           <a:p>
@@ -5602,12 +5727,8 @@
             </a:pPr>
             <a:r>
               <a:rPr lang="en-US" dirty="0"/>
-              <a:t>Moderate negative relationship</a:t>
-            </a:r>
-          </a:p>
-          <a:p>
-            <a:pPr lvl="1"/>
-            <a:endParaRPr lang="en-US" dirty="0"/>
+              <a:t>Almost no linear relationship</a:t>
+            </a:r>
           </a:p>
           <a:p>
             <a:pPr marL="285750" indent="-285750">
@@ -5620,10 +5741,10 @@
       </p:sp>
       <p:pic>
         <p:nvPicPr>
-          <p:cNvPr id="5" name="Picture 4">
-            <a:extLst>
-              <a:ext uri="{FF2B5EF4-FFF2-40B4-BE49-F238E27FC236}">
-                <a16:creationId xmlns:a16="http://schemas.microsoft.com/office/drawing/2014/main" id="{E27139AF-32E8-A949-B6B9-39E6E46D7887}"/>
+          <p:cNvPr id="6" name="Picture 5">
+            <a:extLst>
+              <a:ext uri="{FF2B5EF4-FFF2-40B4-BE49-F238E27FC236}">
+                <a16:creationId xmlns:a16="http://schemas.microsoft.com/office/drawing/2014/main" id="{F8E435D1-1C48-4941-B345-418AFA48E5B7}"/>
               </a:ext>
             </a:extLst>
           </p:cNvPr>
@@ -5646,8 +5767,8 @@
         </p:blipFill>
         <p:spPr>
           <a:xfrm>
-            <a:off x="5410062" y="2103859"/>
-            <a:ext cx="5745618" cy="3835027"/>
+            <a:off x="5646657" y="2158738"/>
+            <a:ext cx="5562882" cy="3735269"/>
           </a:xfrm>
           <a:prstGeom prst="rect">
             <a:avLst/>
@@ -5657,7 +5778,7 @@
     </p:spTree>
     <p:extLst>
       <p:ext uri="{BB962C8B-B14F-4D97-AF65-F5344CB8AC3E}">
-        <p14:creationId xmlns:p14="http://schemas.microsoft.com/office/powerpoint/2010/main" val="2007660985"/>
+        <p14:creationId xmlns:p14="http://schemas.microsoft.com/office/powerpoint/2010/main" val="3333280500"/>
       </p:ext>
     </p:extLst>
   </p:cSld>
@@ -5707,7 +5828,7 @@
           <a:p>
             <a:r>
               <a:rPr lang="en-US" dirty="0"/>
-              <a:t>Data Analysis – 2006 to 2016</a:t>
+              <a:t>Data Analysis – 1996 to 2006</a:t>
             </a:r>
           </a:p>
         </p:txBody>
@@ -5727,7 +5848,7 @@
         <p:spPr>
           <a:xfrm>
             <a:off x="1097280" y="2235835"/>
-            <a:ext cx="4089550" cy="2585323"/>
+            <a:ext cx="4089550" cy="1477328"/>
           </a:xfrm>
           <a:prstGeom prst="rect">
             <a:avLst/>
@@ -5746,7 +5867,7 @@
             </a:pPr>
             <a:r>
               <a:rPr lang="en-US" dirty="0"/>
-              <a:t>10 years (2006-2016)</a:t>
+              <a:t>10 years (1996-2006)</a:t>
             </a:r>
           </a:p>
           <a:p>
@@ -5756,7 +5877,7 @@
             </a:pPr>
             <a:r>
               <a:rPr lang="en-US" dirty="0"/>
-              <a:t>R-value equals -0.59</a:t>
+              <a:t>R-value equals -0.49</a:t>
             </a:r>
           </a:p>
           <a:p>
@@ -5767,26 +5888,6 @@
             <a:r>
               <a:rPr lang="en-US" dirty="0"/>
               <a:t>Moderate negative relationship</a:t>
-            </a:r>
-          </a:p>
-          <a:p>
-            <a:pPr marL="742950" lvl="1" indent="-285750">
-              <a:buFont typeface="Arial" panose="020B0604020202020204" pitchFamily="34" charset="0"/>
-              <a:buChar char="•"/>
-            </a:pPr>
-            <a:r>
-              <a:rPr lang="en-US" dirty="0"/>
-              <a:t>Slightly stronger than the previous 10 years</a:t>
-            </a:r>
-          </a:p>
-          <a:p>
-            <a:pPr marL="285750" indent="-285750">
-              <a:buFont typeface="Arial" panose="020B0604020202020204" pitchFamily="34" charset="0"/>
-              <a:buChar char="•"/>
-            </a:pPr>
-            <a:r>
-              <a:rPr lang="en-US" dirty="0"/>
-              <a:t>Each set of years has increased in correlation</a:t>
             </a:r>
           </a:p>
           <a:p>
@@ -5804,10 +5905,10 @@
       </p:sp>
       <p:pic>
         <p:nvPicPr>
-          <p:cNvPr id="6" name="Picture 5">
-            <a:extLst>
-              <a:ext uri="{FF2B5EF4-FFF2-40B4-BE49-F238E27FC236}">
-                <a16:creationId xmlns:a16="http://schemas.microsoft.com/office/drawing/2014/main" id="{0D73A75F-2CF5-124E-B599-7B52422A68C4}"/>
+          <p:cNvPr id="5" name="Picture 4">
+            <a:extLst>
+              <a:ext uri="{FF2B5EF4-FFF2-40B4-BE49-F238E27FC236}">
+                <a16:creationId xmlns:a16="http://schemas.microsoft.com/office/drawing/2014/main" id="{E27139AF-32E8-A949-B6B9-39E6E46D7887}"/>
               </a:ext>
             </a:extLst>
           </p:cNvPr>
@@ -5830,8 +5931,8 @@
         </p:blipFill>
         <p:spPr>
           <a:xfrm>
-            <a:off x="5186829" y="2040771"/>
-            <a:ext cx="5790983" cy="3879261"/>
+            <a:off x="5410062" y="2103859"/>
+            <a:ext cx="5745618" cy="3835027"/>
           </a:xfrm>
           <a:prstGeom prst="rect">
             <a:avLst/>
@@ -5841,7 +5942,7 @@
     </p:spTree>
     <p:extLst>
       <p:ext uri="{BB962C8B-B14F-4D97-AF65-F5344CB8AC3E}">
-        <p14:creationId xmlns:p14="http://schemas.microsoft.com/office/powerpoint/2010/main" val="729646018"/>
+        <p14:creationId xmlns:p14="http://schemas.microsoft.com/office/powerpoint/2010/main" val="2007660985"/>
       </p:ext>
     </p:extLst>
   </p:cSld>
@@ -5891,7 +5992,7 @@
           <a:p>
             <a:r>
               <a:rPr lang="en-US" dirty="0"/>
-              <a:t>Data Analysis – State Level</a:t>
+              <a:t>Data Analysis – 2006 to 2016</a:t>
             </a:r>
           </a:p>
         </p:txBody>
@@ -5911,7 +6012,7 @@
         <p:spPr>
           <a:xfrm>
             <a:off x="1097280" y="2235835"/>
-            <a:ext cx="4089550" cy="646331"/>
+            <a:ext cx="4089550" cy="2585323"/>
           </a:xfrm>
           <a:prstGeom prst="rect">
             <a:avLst/>
@@ -5923,6 +6024,56 @@
             <a:spAutoFit/>
           </a:bodyPr>
           <a:lstStyle/>
+          <a:p>
+            <a:pPr marL="285750" indent="-285750">
+              <a:buFont typeface="Arial" panose="020B0604020202020204" pitchFamily="34" charset="0"/>
+              <a:buChar char="•"/>
+            </a:pPr>
+            <a:r>
+              <a:rPr lang="en-US" dirty="0"/>
+              <a:t>10 years (2006-2016)</a:t>
+            </a:r>
+          </a:p>
+          <a:p>
+            <a:pPr marL="285750" indent="-285750">
+              <a:buFont typeface="Arial" panose="020B0604020202020204" pitchFamily="34" charset="0"/>
+              <a:buChar char="•"/>
+            </a:pPr>
+            <a:r>
+              <a:rPr lang="en-US" dirty="0"/>
+              <a:t>R-value equals -0.59</a:t>
+            </a:r>
+          </a:p>
+          <a:p>
+            <a:pPr marL="742950" lvl="1" indent="-285750">
+              <a:buFont typeface="Arial" panose="020B0604020202020204" pitchFamily="34" charset="0"/>
+              <a:buChar char="•"/>
+            </a:pPr>
+            <a:r>
+              <a:rPr lang="en-US" dirty="0"/>
+              <a:t>Moderate negative relationship</a:t>
+            </a:r>
+          </a:p>
+          <a:p>
+            <a:pPr marL="742950" lvl="1" indent="-285750">
+              <a:buFont typeface="Arial" panose="020B0604020202020204" pitchFamily="34" charset="0"/>
+              <a:buChar char="•"/>
+            </a:pPr>
+            <a:r>
+              <a:rPr lang="en-US" dirty="0"/>
+              <a:t>Slightly stronger than the previous 10 years</a:t>
+            </a:r>
+          </a:p>
+          <a:p>
+            <a:pPr marL="285750" indent="-285750">
+              <a:buFont typeface="Arial" panose="020B0604020202020204" pitchFamily="34" charset="0"/>
+              <a:buChar char="•"/>
+            </a:pPr>
+            <a:r>
+              <a:rPr lang="en-US" dirty="0"/>
+              <a:t>Each set of years has increased in correlation</a:t>
+            </a:r>
+          </a:p>
           <a:p>
             <a:pPr lvl="1"/>
             <a:endParaRPr lang="en-US" dirty="0"/>
@@ -5936,10 +6087,46 @@
           </a:p>
         </p:txBody>
       </p:sp>
+      <p:pic>
+        <p:nvPicPr>
+          <p:cNvPr id="6" name="Picture 5">
+            <a:extLst>
+              <a:ext uri="{FF2B5EF4-FFF2-40B4-BE49-F238E27FC236}">
+                <a16:creationId xmlns:a16="http://schemas.microsoft.com/office/drawing/2014/main" id="{0D73A75F-2CF5-124E-B599-7B52422A68C4}"/>
+              </a:ext>
+            </a:extLst>
+          </p:cNvPr>
+          <p:cNvPicPr>
+            <a:picLocks noChangeAspect="1"/>
+          </p:cNvPicPr>
+          <p:nvPr/>
+        </p:nvPicPr>
+        <p:blipFill>
+          <a:blip r:embed="rId2">
+            <a:extLst>
+              <a:ext uri="{28A0092B-C50C-407E-A947-70E740481C1C}">
+                <a14:useLocalDpi xmlns:a14="http://schemas.microsoft.com/office/drawing/2010/main" val="0"/>
+              </a:ext>
+            </a:extLst>
+          </a:blip>
+          <a:stretch>
+            <a:fillRect/>
+          </a:stretch>
+        </p:blipFill>
+        <p:spPr>
+          <a:xfrm>
+            <a:off x="5186829" y="2040771"/>
+            <a:ext cx="5790983" cy="3879261"/>
+          </a:xfrm>
+          <a:prstGeom prst="rect">
+            <a:avLst/>
+          </a:prstGeom>
+        </p:spPr>
+      </p:pic>
     </p:spTree>
     <p:extLst>
       <p:ext uri="{BB962C8B-B14F-4D97-AF65-F5344CB8AC3E}">
-        <p14:creationId xmlns:p14="http://schemas.microsoft.com/office/powerpoint/2010/main" val="4049854498"/>
+        <p14:creationId xmlns:p14="http://schemas.microsoft.com/office/powerpoint/2010/main" val="729646018"/>
       </p:ext>
     </p:extLst>
   </p:cSld>
@@ -5966,12 +6153,156 @@
           <a:chExt cx="0" cy="0"/>
         </a:xfrm>
       </p:grpSpPr>
+      <p:sp>
+        <p:nvSpPr>
+          <p:cNvPr id="2" name="Title 1">
+            <a:extLst>
+              <a:ext uri="{FF2B5EF4-FFF2-40B4-BE49-F238E27FC236}">
+                <a16:creationId xmlns:a16="http://schemas.microsoft.com/office/drawing/2014/main" id="{2BE986B9-B3E2-40FB-8BB0-47C8146FECF3}"/>
+              </a:ext>
+            </a:extLst>
+          </p:cNvPr>
+          <p:cNvSpPr>
+            <a:spLocks noGrp="1"/>
+          </p:cNvSpPr>
+          <p:nvPr>
+            <p:ph type="title"/>
+          </p:nvPr>
+        </p:nvSpPr>
+        <p:spPr/>
+        <p:txBody>
+          <a:bodyPr/>
+          <a:lstStyle/>
+          <a:p>
+            <a:r>
+              <a:rPr lang="en-US" dirty="0"/>
+              <a:t>Data Analysis – State Level</a:t>
+            </a:r>
+          </a:p>
+        </p:txBody>
+      </p:sp>
+      <p:sp>
+        <p:nvSpPr>
+          <p:cNvPr id="4" name="TextBox 3">
+            <a:extLst>
+              <a:ext uri="{FF2B5EF4-FFF2-40B4-BE49-F238E27FC236}">
+                <a16:creationId xmlns:a16="http://schemas.microsoft.com/office/drawing/2014/main" id="{B5D504D4-CB1C-4B7D-936B-4AE4DE54AE15}"/>
+              </a:ext>
+            </a:extLst>
+          </p:cNvPr>
+          <p:cNvSpPr txBox="1"/>
+          <p:nvPr/>
+        </p:nvSpPr>
+        <p:spPr>
+          <a:xfrm>
+            <a:off x="1097280" y="2235835"/>
+            <a:ext cx="4089550" cy="646331"/>
+          </a:xfrm>
+          <a:prstGeom prst="rect">
+            <a:avLst/>
+          </a:prstGeom>
+          <a:noFill/>
+        </p:spPr>
+        <p:txBody>
+          <a:bodyPr wrap="square" rtlCol="0">
+            <a:spAutoFit/>
+          </a:bodyPr>
+          <a:lstStyle/>
+          <a:p>
+            <a:pPr lvl="1"/>
+            <a:endParaRPr lang="en-US" dirty="0"/>
+          </a:p>
+          <a:p>
+            <a:pPr marL="285750" indent="-285750">
+              <a:buFont typeface="Arial" panose="020B0604020202020204" pitchFamily="34" charset="0"/>
+              <a:buChar char="•"/>
+            </a:pPr>
+            <a:endParaRPr lang="en-US" dirty="0"/>
+          </a:p>
+        </p:txBody>
+      </p:sp>
+      <p:sp>
+        <p:nvSpPr>
+          <p:cNvPr id="7" name="TextBox 6">
+            <a:extLst>
+              <a:ext uri="{FF2B5EF4-FFF2-40B4-BE49-F238E27FC236}">
+                <a16:creationId xmlns:a16="http://schemas.microsoft.com/office/drawing/2014/main" id="{07D97BE5-B753-EF4A-B71F-AB004F7D805C}"/>
+              </a:ext>
+            </a:extLst>
+          </p:cNvPr>
+          <p:cNvSpPr txBox="1"/>
+          <p:nvPr/>
+        </p:nvSpPr>
+        <p:spPr>
+          <a:xfrm>
+            <a:off x="762743" y="2559000"/>
+            <a:ext cx="4089550" cy="2308324"/>
+          </a:xfrm>
+          <a:prstGeom prst="rect">
+            <a:avLst/>
+          </a:prstGeom>
+          <a:noFill/>
+        </p:spPr>
+        <p:txBody>
+          <a:bodyPr wrap="square" rtlCol="0">
+            <a:spAutoFit/>
+          </a:bodyPr>
+          <a:lstStyle/>
+          <a:p>
+            <a:pPr marL="285750" indent="-285750">
+              <a:buFont typeface="Arial" panose="020B0604020202020204" pitchFamily="34" charset="0"/>
+              <a:buChar char="•"/>
+            </a:pPr>
+            <a:r>
+              <a:rPr lang="en-US" dirty="0"/>
+              <a:t>Chose the year with the max negative relationship - 2008</a:t>
+            </a:r>
+          </a:p>
+          <a:p>
+            <a:pPr marL="285750" indent="-285750">
+              <a:buFont typeface="Arial" panose="020B0604020202020204" pitchFamily="34" charset="0"/>
+              <a:buChar char="•"/>
+            </a:pPr>
+            <a:r>
+              <a:rPr lang="en-US" dirty="0"/>
+              <a:t>Graphed using Google Maps</a:t>
+            </a:r>
+          </a:p>
+          <a:p>
+            <a:pPr marL="742950" lvl="1" indent="-285750">
+              <a:buFont typeface="Arial" panose="020B0604020202020204" pitchFamily="34" charset="0"/>
+              <a:buChar char="•"/>
+            </a:pPr>
+            <a:r>
+              <a:rPr lang="en-US" dirty="0"/>
+              <a:t>Used a heat layer to show intensity of unemployment across the United States</a:t>
+            </a:r>
+          </a:p>
+          <a:p>
+            <a:pPr marL="285750" indent="-285750">
+              <a:buFont typeface="Arial" panose="020B0604020202020204" pitchFamily="34" charset="0"/>
+              <a:buChar char="•"/>
+            </a:pPr>
+            <a:r>
+              <a:rPr lang="en-US" dirty="0"/>
+              <a:t>Metro Areas vs Rural America</a:t>
+            </a:r>
+          </a:p>
+          <a:p>
+            <a:pPr marL="285750" indent="-285750">
+              <a:buFont typeface="Arial" panose="020B0604020202020204" pitchFamily="34" charset="0"/>
+              <a:buChar char="•"/>
+            </a:pPr>
+            <a:endParaRPr lang="en-US" dirty="0"/>
+          </a:p>
+        </p:txBody>
+      </p:sp>
       <p:pic>
         <p:nvPicPr>
-          <p:cNvPr id="2" name="Picture 1">
-            <a:extLst>
-              <a:ext uri="{FF2B5EF4-FFF2-40B4-BE49-F238E27FC236}">
-                <a16:creationId xmlns:a16="http://schemas.microsoft.com/office/drawing/2014/main" id="{CA042748-FD56-8748-9753-62A6E8669595}"/>
+          <p:cNvPr id="9" name="Picture 8">
+            <a:extLst>
+              <a:ext uri="{FF2B5EF4-FFF2-40B4-BE49-F238E27FC236}">
+                <a16:creationId xmlns:a16="http://schemas.microsoft.com/office/drawing/2014/main" id="{8D08C779-5A02-2343-8FD3-D1CB41C78D1C}"/>
               </a:ext>
             </a:extLst>
           </p:cNvPr>
@@ -5981,221 +6312,31 @@
           <p:nvPr/>
         </p:nvPicPr>
         <p:blipFill>
-          <a:blip r:embed="rId2"/>
+          <a:blip r:embed="rId2">
+            <a:extLst>
+              <a:ext uri="{28A0092B-C50C-407E-A947-70E740481C1C}">
+                <a14:useLocalDpi xmlns:a14="http://schemas.microsoft.com/office/drawing/2010/main" val="0"/>
+              </a:ext>
+            </a:extLst>
+          </a:blip>
           <a:stretch>
             <a:fillRect/>
           </a:stretch>
         </p:blipFill>
         <p:spPr>
           <a:xfrm>
-            <a:off x="6495069" y="308095"/>
-            <a:ext cx="3063711" cy="1580868"/>
+            <a:off x="4961261" y="2559000"/>
+            <a:ext cx="6955675" cy="2721786"/>
           </a:xfrm>
           <a:prstGeom prst="rect">
             <a:avLst/>
           </a:prstGeom>
         </p:spPr>
       </p:pic>
-      <p:sp>
-        <p:nvSpPr>
-          <p:cNvPr id="5" name="Title 4">
-            <a:extLst>
-              <a:ext uri="{FF2B5EF4-FFF2-40B4-BE49-F238E27FC236}">
-                <a16:creationId xmlns:a16="http://schemas.microsoft.com/office/drawing/2014/main" id="{06E6EEBF-99DA-48F8-BA49-F7595088A879}"/>
-              </a:ext>
-            </a:extLst>
-          </p:cNvPr>
-          <p:cNvSpPr>
-            <a:spLocks noGrp="1"/>
-          </p:cNvSpPr>
-          <p:nvPr>
-            <p:ph type="title"/>
-          </p:nvPr>
-        </p:nvSpPr>
-        <p:spPr>
-          <a:xfrm>
-            <a:off x="1066800" y="715052"/>
-            <a:ext cx="10058400" cy="973504"/>
-          </a:xfrm>
-        </p:spPr>
-        <p:txBody>
-          <a:bodyPr/>
-          <a:lstStyle/>
-          <a:p>
-            <a:r>
-              <a:rPr lang="en-US" dirty="0"/>
-              <a:t>Discussion</a:t>
-            </a:r>
-          </a:p>
-        </p:txBody>
-      </p:sp>
-      <p:sp>
-        <p:nvSpPr>
-          <p:cNvPr id="3" name="TextBox 2">
-            <a:extLst>
-              <a:ext uri="{FF2B5EF4-FFF2-40B4-BE49-F238E27FC236}">
-                <a16:creationId xmlns:a16="http://schemas.microsoft.com/office/drawing/2014/main" id="{8D658515-A231-2B44-AE67-2F32C1676B04}"/>
-              </a:ext>
-            </a:extLst>
-          </p:cNvPr>
-          <p:cNvSpPr txBox="1"/>
-          <p:nvPr/>
-        </p:nvSpPr>
-        <p:spPr>
-          <a:xfrm>
-            <a:off x="1332950" y="2066152"/>
-            <a:ext cx="9102522" cy="3970318"/>
-          </a:xfrm>
-          <a:prstGeom prst="rect">
-            <a:avLst/>
-          </a:prstGeom>
-          <a:noFill/>
-        </p:spPr>
-        <p:txBody>
-          <a:bodyPr wrap="square" rtlCol="0">
-            <a:spAutoFit/>
-          </a:bodyPr>
-          <a:lstStyle/>
-          <a:p>
-            <a:pPr marL="285750" indent="-285750">
-              <a:buFont typeface="Arial" panose="020B0604020202020204" pitchFamily="34" charset="0"/>
-              <a:buChar char="•"/>
-            </a:pPr>
-            <a:r>
-              <a:rPr lang="en-US" dirty="0"/>
-              <a:t>Findings:</a:t>
-            </a:r>
-          </a:p>
-          <a:p>
-            <a:pPr marL="742950" lvl="1" indent="-285750">
-              <a:buFont typeface="Arial" panose="020B0604020202020204" pitchFamily="34" charset="0"/>
-              <a:buChar char="•"/>
-            </a:pPr>
-            <a:r>
-              <a:rPr lang="en-US" dirty="0"/>
-              <a:t>Overall we found what we expected, but not to the degree we had thought</a:t>
-            </a:r>
-          </a:p>
-          <a:p>
-            <a:pPr marL="742950" lvl="1" indent="-285750">
-              <a:buFont typeface="Arial" panose="020B0604020202020204" pitchFamily="34" charset="0"/>
-              <a:buChar char="•"/>
-            </a:pPr>
-            <a:r>
-              <a:rPr lang="en-US" dirty="0"/>
-              <a:t>Most interesting to find the continuous increase in relationship over time</a:t>
-            </a:r>
-          </a:p>
-          <a:p>
-            <a:pPr marL="742950" lvl="1" indent="-285750">
-              <a:buFont typeface="Arial" panose="020B0604020202020204" pitchFamily="34" charset="0"/>
-              <a:buChar char="•"/>
-            </a:pPr>
-            <a:endParaRPr lang="en-US" dirty="0"/>
-          </a:p>
-          <a:p>
-            <a:pPr marL="285750" indent="-285750">
-              <a:buFont typeface="Arial" panose="020B0604020202020204" pitchFamily="34" charset="0"/>
-              <a:buChar char="•"/>
-            </a:pPr>
-            <a:r>
-              <a:rPr lang="en-US" dirty="0"/>
-              <a:t>Post Mortem</a:t>
-            </a:r>
-          </a:p>
-          <a:p>
-            <a:pPr marL="742950" lvl="1" indent="-285750">
-              <a:buFont typeface="Arial" panose="020B0604020202020204" pitchFamily="34" charset="0"/>
-              <a:buChar char="•"/>
-            </a:pPr>
-            <a:r>
-              <a:rPr lang="en-US" dirty="0"/>
-              <a:t>Was Dow Jones the correct index to use?</a:t>
-            </a:r>
-          </a:p>
-          <a:p>
-            <a:pPr marL="1200150" lvl="2" indent="-285750">
-              <a:buFont typeface="Arial" panose="020B0604020202020204" pitchFamily="34" charset="0"/>
-              <a:buChar char="•"/>
-            </a:pPr>
-            <a:r>
-              <a:rPr lang="en-US" dirty="0"/>
-              <a:t>S&amp;P 500</a:t>
-            </a:r>
-          </a:p>
-          <a:p>
-            <a:pPr marL="742950" lvl="1" indent="-285750">
-              <a:buFont typeface="Arial" panose="020B0604020202020204" pitchFamily="34" charset="0"/>
-              <a:buChar char="•"/>
-            </a:pPr>
-            <a:r>
-              <a:rPr lang="en-US" dirty="0"/>
-              <a:t>Outliers?</a:t>
-            </a:r>
-          </a:p>
-          <a:p>
-            <a:pPr marL="742950" lvl="1" indent="-285750">
-              <a:buFont typeface="Arial" panose="020B0604020202020204" pitchFamily="34" charset="0"/>
-              <a:buChar char="•"/>
-            </a:pPr>
-            <a:r>
-              <a:rPr lang="en-US" dirty="0"/>
-              <a:t>Other factors that overlay?</a:t>
-            </a:r>
-          </a:p>
-          <a:p>
-            <a:pPr marL="1200150" lvl="2" indent="-285750">
-              <a:buFont typeface="Arial" panose="020B0604020202020204" pitchFamily="34" charset="0"/>
-              <a:buChar char="•"/>
-            </a:pPr>
-            <a:r>
-              <a:rPr lang="en-US" dirty="0"/>
-              <a:t>GDP</a:t>
-            </a:r>
-          </a:p>
-          <a:p>
-            <a:pPr marL="1200150" lvl="2" indent="-285750">
-              <a:buFont typeface="Arial" panose="020B0604020202020204" pitchFamily="34" charset="0"/>
-              <a:buChar char="•"/>
-            </a:pPr>
-            <a:r>
-              <a:rPr lang="en-US" dirty="0"/>
-              <a:t>Inflation</a:t>
-            </a:r>
-          </a:p>
-          <a:p>
-            <a:pPr marL="742950" lvl="1" indent="-285750">
-              <a:buFont typeface="Arial" panose="020B0604020202020204" pitchFamily="34" charset="0"/>
-              <a:buChar char="•"/>
-            </a:pPr>
-            <a:r>
-              <a:rPr lang="en-US" dirty="0"/>
-              <a:t>How much do external events affect the Dow/Unemployment?</a:t>
-            </a:r>
-          </a:p>
-          <a:p>
-            <a:pPr marL="742950" lvl="1" indent="-285750">
-              <a:buFont typeface="Arial" panose="020B0604020202020204" pitchFamily="34" charset="0"/>
-              <a:buChar char="•"/>
-            </a:pPr>
-            <a:r>
-              <a:rPr lang="en-US" dirty="0"/>
-              <a:t>2020 Analysis – Would Covid-19 scenario go against previous years?</a:t>
-            </a:r>
-          </a:p>
-          <a:p>
-            <a:pPr marL="742950" lvl="1" indent="-285750">
-              <a:buFont typeface="Arial" panose="020B0604020202020204" pitchFamily="34" charset="0"/>
-              <a:buChar char="•"/>
-            </a:pPr>
-            <a:endParaRPr lang="en-US" dirty="0"/>
-          </a:p>
-        </p:txBody>
-      </p:sp>
     </p:spTree>
     <p:extLst>
       <p:ext uri="{BB962C8B-B14F-4D97-AF65-F5344CB8AC3E}">
-        <p14:creationId xmlns:p14="http://schemas.microsoft.com/office/powerpoint/2010/main" val="3399840146"/>
+        <p14:creationId xmlns:p14="http://schemas.microsoft.com/office/powerpoint/2010/main" val="4049854498"/>
       </p:ext>
     </p:extLst>
   </p:cSld>
@@ -6227,7 +6368,7 @@
           <p:cNvPr id="2" name="Title 1">
             <a:extLst>
               <a:ext uri="{FF2B5EF4-FFF2-40B4-BE49-F238E27FC236}">
-                <a16:creationId xmlns:a16="http://schemas.microsoft.com/office/drawing/2014/main" id="{206EB1DB-7C82-46D2-A7A9-E695B31EC929}"/>
+                <a16:creationId xmlns:a16="http://schemas.microsoft.com/office/drawing/2014/main" id="{2BE986B9-B3E2-40FB-8BB0-47C8146FECF3}"/>
               </a:ext>
             </a:extLst>
           </p:cNvPr>
@@ -6245,17 +6386,133 @@
           <a:p>
             <a:r>
               <a:rPr lang="en-US" dirty="0"/>
-              <a:t>Questions?</a:t>
-            </a:r>
-          </a:p>
-        </p:txBody>
-      </p:sp>
+              <a:t>Data Analysis – State Level</a:t>
+            </a:r>
+          </a:p>
+        </p:txBody>
+      </p:sp>
+      <p:sp>
+        <p:nvSpPr>
+          <p:cNvPr id="4" name="TextBox 3">
+            <a:extLst>
+              <a:ext uri="{FF2B5EF4-FFF2-40B4-BE49-F238E27FC236}">
+                <a16:creationId xmlns:a16="http://schemas.microsoft.com/office/drawing/2014/main" id="{B5D504D4-CB1C-4B7D-936B-4AE4DE54AE15}"/>
+              </a:ext>
+            </a:extLst>
+          </p:cNvPr>
+          <p:cNvSpPr txBox="1"/>
+          <p:nvPr/>
+        </p:nvSpPr>
+        <p:spPr>
+          <a:xfrm>
+            <a:off x="1097280" y="2235835"/>
+            <a:ext cx="4089550" cy="646331"/>
+          </a:xfrm>
+          <a:prstGeom prst="rect">
+            <a:avLst/>
+          </a:prstGeom>
+          <a:noFill/>
+        </p:spPr>
+        <p:txBody>
+          <a:bodyPr wrap="square" rtlCol="0">
+            <a:spAutoFit/>
+          </a:bodyPr>
+          <a:lstStyle/>
+          <a:p>
+            <a:pPr lvl="1"/>
+            <a:endParaRPr lang="en-US" dirty="0"/>
+          </a:p>
+          <a:p>
+            <a:pPr marL="285750" indent="-285750">
+              <a:buFont typeface="Arial" panose="020B0604020202020204" pitchFamily="34" charset="0"/>
+              <a:buChar char="•"/>
+            </a:pPr>
+            <a:endParaRPr lang="en-US" dirty="0"/>
+          </a:p>
+        </p:txBody>
+      </p:sp>
+      <p:sp>
+        <p:nvSpPr>
+          <p:cNvPr id="7" name="TextBox 6">
+            <a:extLst>
+              <a:ext uri="{FF2B5EF4-FFF2-40B4-BE49-F238E27FC236}">
+                <a16:creationId xmlns:a16="http://schemas.microsoft.com/office/drawing/2014/main" id="{07D97BE5-B753-EF4A-B71F-AB004F7D805C}"/>
+              </a:ext>
+            </a:extLst>
+          </p:cNvPr>
+          <p:cNvSpPr txBox="1"/>
+          <p:nvPr/>
+        </p:nvSpPr>
+        <p:spPr>
+          <a:xfrm>
+            <a:off x="762743" y="2559000"/>
+            <a:ext cx="4089550" cy="1754326"/>
+          </a:xfrm>
+          <a:prstGeom prst="rect">
+            <a:avLst/>
+          </a:prstGeom>
+          <a:noFill/>
+        </p:spPr>
+        <p:txBody>
+          <a:bodyPr wrap="square" rtlCol="0">
+            <a:spAutoFit/>
+          </a:bodyPr>
+          <a:lstStyle/>
+          <a:p>
+            <a:pPr marL="285750" indent="-285750">
+              <a:buFont typeface="Arial" panose="020B0604020202020204" pitchFamily="34" charset="0"/>
+              <a:buChar char="•"/>
+            </a:pPr>
+            <a:r>
+              <a:rPr lang="en-US" dirty="0"/>
+              <a:t>Our thoughts were that big metro-areas such as New York and California would have been more affected, but that does not seem to be the case</a:t>
+            </a:r>
+          </a:p>
+          <a:p>
+            <a:pPr marL="285750" indent="-285750">
+              <a:buFont typeface="Arial" panose="020B0604020202020204" pitchFamily="34" charset="0"/>
+              <a:buChar char="•"/>
+            </a:pPr>
+            <a:endParaRPr lang="en-US" dirty="0"/>
+          </a:p>
+        </p:txBody>
+      </p:sp>
+    </p:spTree>
+    <p:extLst>
+      <p:ext uri="{BB962C8B-B14F-4D97-AF65-F5344CB8AC3E}">
+        <p14:creationId xmlns:p14="http://schemas.microsoft.com/office/powerpoint/2010/main" val="3428690614"/>
+      </p:ext>
+    </p:extLst>
+  </p:cSld>
+  <p:clrMapOvr>
+    <a:masterClrMapping/>
+  </p:clrMapOvr>
+</p:sld>
+</file>
+
+<file path=ppt/slides/slide19.xml><?xml version="1.0" encoding="utf-8"?>
+<p:sld xmlns:a="http://schemas.openxmlformats.org/drawingml/2006/main" xmlns:r="http://schemas.openxmlformats.org/officeDocument/2006/relationships" xmlns:p="http://schemas.openxmlformats.org/presentationml/2006/main">
+  <p:cSld>
+    <p:spTree>
+      <p:nvGrpSpPr>
+        <p:cNvPr id="1" name=""/>
+        <p:cNvGrpSpPr/>
+        <p:nvPr/>
+      </p:nvGrpSpPr>
+      <p:grpSpPr>
+        <a:xfrm>
+          <a:off x="0" y="0"/>
+          <a:ext cx="0" cy="0"/>
+          <a:chOff x="0" y="0"/>
+          <a:chExt cx="0" cy="0"/>
+        </a:xfrm>
+      </p:grpSpPr>
       <p:pic>
         <p:nvPicPr>
-          <p:cNvPr id="3" name="Picture 2">
-            <a:extLst>
-              <a:ext uri="{FF2B5EF4-FFF2-40B4-BE49-F238E27FC236}">
-                <a16:creationId xmlns:a16="http://schemas.microsoft.com/office/drawing/2014/main" id="{5062337A-61AA-734B-B245-BB15D3587219}"/>
+          <p:cNvPr id="2" name="Picture 1">
+            <a:extLst>
+              <a:ext uri="{FF2B5EF4-FFF2-40B4-BE49-F238E27FC236}">
+                <a16:creationId xmlns:a16="http://schemas.microsoft.com/office/drawing/2014/main" id="{CA042748-FD56-8748-9753-62A6E8669595}"/>
               </a:ext>
             </a:extLst>
           </p:cNvPr>
@@ -6272,18 +6529,221 @@
         </p:blipFill>
         <p:spPr>
           <a:xfrm>
-            <a:off x="3569747" y="2428753"/>
-            <a:ext cx="5052505" cy="3148920"/>
+            <a:off x="6495069" y="308095"/>
+            <a:ext cx="3063711" cy="1580868"/>
           </a:xfrm>
           <a:prstGeom prst="rect">
             <a:avLst/>
           </a:prstGeom>
         </p:spPr>
       </p:pic>
+      <p:sp>
+        <p:nvSpPr>
+          <p:cNvPr id="5" name="Title 4">
+            <a:extLst>
+              <a:ext uri="{FF2B5EF4-FFF2-40B4-BE49-F238E27FC236}">
+                <a16:creationId xmlns:a16="http://schemas.microsoft.com/office/drawing/2014/main" id="{06E6EEBF-99DA-48F8-BA49-F7595088A879}"/>
+              </a:ext>
+            </a:extLst>
+          </p:cNvPr>
+          <p:cNvSpPr>
+            <a:spLocks noGrp="1"/>
+          </p:cNvSpPr>
+          <p:nvPr>
+            <p:ph type="title"/>
+          </p:nvPr>
+        </p:nvSpPr>
+        <p:spPr>
+          <a:xfrm>
+            <a:off x="1066800" y="715052"/>
+            <a:ext cx="10058400" cy="973504"/>
+          </a:xfrm>
+        </p:spPr>
+        <p:txBody>
+          <a:bodyPr/>
+          <a:lstStyle/>
+          <a:p>
+            <a:r>
+              <a:rPr lang="en-US" dirty="0"/>
+              <a:t>Discussion</a:t>
+            </a:r>
+          </a:p>
+        </p:txBody>
+      </p:sp>
+      <p:sp>
+        <p:nvSpPr>
+          <p:cNvPr id="3" name="TextBox 2">
+            <a:extLst>
+              <a:ext uri="{FF2B5EF4-FFF2-40B4-BE49-F238E27FC236}">
+                <a16:creationId xmlns:a16="http://schemas.microsoft.com/office/drawing/2014/main" id="{8D658515-A231-2B44-AE67-2F32C1676B04}"/>
+              </a:ext>
+            </a:extLst>
+          </p:cNvPr>
+          <p:cNvSpPr txBox="1"/>
+          <p:nvPr/>
+        </p:nvSpPr>
+        <p:spPr>
+          <a:xfrm>
+            <a:off x="1340384" y="2025590"/>
+            <a:ext cx="9102522" cy="4247317"/>
+          </a:xfrm>
+          <a:prstGeom prst="rect">
+            <a:avLst/>
+          </a:prstGeom>
+          <a:noFill/>
+        </p:spPr>
+        <p:txBody>
+          <a:bodyPr wrap="square" rtlCol="0">
+            <a:spAutoFit/>
+          </a:bodyPr>
+          <a:lstStyle/>
+          <a:p>
+            <a:pPr marL="285750" indent="-285750">
+              <a:buFont typeface="Arial" panose="020B0604020202020204" pitchFamily="34" charset="0"/>
+              <a:buChar char="•"/>
+            </a:pPr>
+            <a:r>
+              <a:rPr lang="en-US" dirty="0"/>
+              <a:t>Findings:</a:t>
+            </a:r>
+          </a:p>
+          <a:p>
+            <a:pPr marL="742950" lvl="1" indent="-285750">
+              <a:buFont typeface="Arial" panose="020B0604020202020204" pitchFamily="34" charset="0"/>
+              <a:buChar char="•"/>
+            </a:pPr>
+            <a:r>
+              <a:rPr lang="en-US" dirty="0"/>
+              <a:t>Overall we found what we expected, but not to the degree we had thought</a:t>
+            </a:r>
+          </a:p>
+          <a:p>
+            <a:pPr marL="742950" lvl="1" indent="-285750">
+              <a:buFont typeface="Arial" panose="020B0604020202020204" pitchFamily="34" charset="0"/>
+              <a:buChar char="•"/>
+            </a:pPr>
+            <a:r>
+              <a:rPr lang="en-US" dirty="0"/>
+              <a:t>Most interesting to find the continuous increase in relationship over time</a:t>
+            </a:r>
+          </a:p>
+          <a:p>
+            <a:pPr marL="742950" lvl="1" indent="-285750">
+              <a:buFont typeface="Arial" panose="020B0604020202020204" pitchFamily="34" charset="0"/>
+              <a:buChar char="•"/>
+            </a:pPr>
+            <a:r>
+              <a:rPr lang="en-US" dirty="0"/>
+              <a:t>Found that the most affected states didn’t seem to be large metro areas</a:t>
+            </a:r>
+          </a:p>
+          <a:p>
+            <a:pPr lvl="1"/>
+            <a:endParaRPr lang="en-US" dirty="0"/>
+          </a:p>
+          <a:p>
+            <a:pPr marL="285750" indent="-285750">
+              <a:buFont typeface="Arial" panose="020B0604020202020204" pitchFamily="34" charset="0"/>
+              <a:buChar char="•"/>
+            </a:pPr>
+            <a:r>
+              <a:rPr lang="en-US" dirty="0"/>
+              <a:t>Post Mortem</a:t>
+            </a:r>
+          </a:p>
+          <a:p>
+            <a:pPr marL="742950" lvl="1" indent="-285750">
+              <a:buFont typeface="Arial" panose="020B0604020202020204" pitchFamily="34" charset="0"/>
+              <a:buChar char="•"/>
+            </a:pPr>
+            <a:r>
+              <a:rPr lang="en-US" dirty="0"/>
+              <a:t>Was Dow Jones the correct index to use?</a:t>
+            </a:r>
+          </a:p>
+          <a:p>
+            <a:pPr marL="1200150" lvl="2" indent="-285750">
+              <a:buFont typeface="Arial" panose="020B0604020202020204" pitchFamily="34" charset="0"/>
+              <a:buChar char="•"/>
+            </a:pPr>
+            <a:r>
+              <a:rPr lang="en-US" dirty="0"/>
+              <a:t>S&amp;P 500</a:t>
+            </a:r>
+          </a:p>
+          <a:p>
+            <a:pPr marL="742950" lvl="1" indent="-285750">
+              <a:buFont typeface="Arial" panose="020B0604020202020204" pitchFamily="34" charset="0"/>
+              <a:buChar char="•"/>
+            </a:pPr>
+            <a:r>
+              <a:rPr lang="en-US" dirty="0"/>
+              <a:t>Other factors that overlay?</a:t>
+            </a:r>
+          </a:p>
+          <a:p>
+            <a:pPr marL="1200150" lvl="2" indent="-285750">
+              <a:buFont typeface="Arial" panose="020B0604020202020204" pitchFamily="34" charset="0"/>
+              <a:buChar char="•"/>
+            </a:pPr>
+            <a:r>
+              <a:rPr lang="en-US" dirty="0"/>
+              <a:t>GDP</a:t>
+            </a:r>
+          </a:p>
+          <a:p>
+            <a:pPr marL="1200150" lvl="2" indent="-285750">
+              <a:buFont typeface="Arial" panose="020B0604020202020204" pitchFamily="34" charset="0"/>
+              <a:buChar char="•"/>
+            </a:pPr>
+            <a:r>
+              <a:rPr lang="en-US" dirty="0"/>
+              <a:t>Inflation</a:t>
+            </a:r>
+          </a:p>
+          <a:p>
+            <a:pPr marL="742950" lvl="1" indent="-285750">
+              <a:buFont typeface="Arial" panose="020B0604020202020204" pitchFamily="34" charset="0"/>
+              <a:buChar char="•"/>
+            </a:pPr>
+            <a:r>
+              <a:rPr lang="en-US" dirty="0"/>
+              <a:t>How much do external events affect the Dow/Unemployment?</a:t>
+            </a:r>
+          </a:p>
+          <a:p>
+            <a:pPr marL="742950" lvl="1" indent="-285750">
+              <a:buFont typeface="Arial" panose="020B0604020202020204" pitchFamily="34" charset="0"/>
+              <a:buChar char="•"/>
+            </a:pPr>
+            <a:r>
+              <a:rPr lang="en-US" dirty="0"/>
+              <a:t>Were certain industries affected more than others? Could that skew State data?</a:t>
+            </a:r>
+          </a:p>
+          <a:p>
+            <a:pPr marL="742950" lvl="1" indent="-285750">
+              <a:buFont typeface="Arial" panose="020B0604020202020204" pitchFamily="34" charset="0"/>
+              <a:buChar char="•"/>
+            </a:pPr>
+            <a:r>
+              <a:rPr lang="en-US" dirty="0"/>
+              <a:t>2020 Analysis – Would Covid-19 scenario go against previous years?</a:t>
+            </a:r>
+          </a:p>
+          <a:p>
+            <a:pPr marL="742950" lvl="1" indent="-285750">
+              <a:buFont typeface="Arial" panose="020B0604020202020204" pitchFamily="34" charset="0"/>
+              <a:buChar char="•"/>
+            </a:pPr>
+            <a:endParaRPr lang="en-US" dirty="0"/>
+          </a:p>
+        </p:txBody>
+      </p:sp>
     </p:spTree>
     <p:extLst>
       <p:ext uri="{BB962C8B-B14F-4D97-AF65-F5344CB8AC3E}">
-        <p14:creationId xmlns:p14="http://schemas.microsoft.com/office/powerpoint/2010/main" val="1326733881"/>
+        <p14:creationId xmlns:p14="http://schemas.microsoft.com/office/powerpoint/2010/main" val="3399840146"/>
       </p:ext>
     </p:extLst>
   </p:cSld>
@@ -6451,6 +6911,94 @@
     <p:extLst>
       <p:ext uri="{BB962C8B-B14F-4D97-AF65-F5344CB8AC3E}">
         <p14:creationId xmlns:p14="http://schemas.microsoft.com/office/powerpoint/2010/main" val="2907012883"/>
+      </p:ext>
+    </p:extLst>
+  </p:cSld>
+  <p:clrMapOvr>
+    <a:masterClrMapping/>
+  </p:clrMapOvr>
+</p:sld>
+</file>
+
+<file path=ppt/slides/slide20.xml><?xml version="1.0" encoding="utf-8"?>
+<p:sld xmlns:a="http://schemas.openxmlformats.org/drawingml/2006/main" xmlns:r="http://schemas.openxmlformats.org/officeDocument/2006/relationships" xmlns:p="http://schemas.openxmlformats.org/presentationml/2006/main">
+  <p:cSld>
+    <p:spTree>
+      <p:nvGrpSpPr>
+        <p:cNvPr id="1" name=""/>
+        <p:cNvGrpSpPr/>
+        <p:nvPr/>
+      </p:nvGrpSpPr>
+      <p:grpSpPr>
+        <a:xfrm>
+          <a:off x="0" y="0"/>
+          <a:ext cx="0" cy="0"/>
+          <a:chOff x="0" y="0"/>
+          <a:chExt cx="0" cy="0"/>
+        </a:xfrm>
+      </p:grpSpPr>
+      <p:sp>
+        <p:nvSpPr>
+          <p:cNvPr id="2" name="Title 1">
+            <a:extLst>
+              <a:ext uri="{FF2B5EF4-FFF2-40B4-BE49-F238E27FC236}">
+                <a16:creationId xmlns:a16="http://schemas.microsoft.com/office/drawing/2014/main" id="{206EB1DB-7C82-46D2-A7A9-E695B31EC929}"/>
+              </a:ext>
+            </a:extLst>
+          </p:cNvPr>
+          <p:cNvSpPr>
+            <a:spLocks noGrp="1"/>
+          </p:cNvSpPr>
+          <p:nvPr>
+            <p:ph type="title"/>
+          </p:nvPr>
+        </p:nvSpPr>
+        <p:spPr/>
+        <p:txBody>
+          <a:bodyPr/>
+          <a:lstStyle/>
+          <a:p>
+            <a:r>
+              <a:rPr lang="en-US" dirty="0"/>
+              <a:t>Questions?</a:t>
+            </a:r>
+          </a:p>
+        </p:txBody>
+      </p:sp>
+      <p:pic>
+        <p:nvPicPr>
+          <p:cNvPr id="3" name="Picture 2">
+            <a:extLst>
+              <a:ext uri="{FF2B5EF4-FFF2-40B4-BE49-F238E27FC236}">
+                <a16:creationId xmlns:a16="http://schemas.microsoft.com/office/drawing/2014/main" id="{5062337A-61AA-734B-B245-BB15D3587219}"/>
+              </a:ext>
+            </a:extLst>
+          </p:cNvPr>
+          <p:cNvPicPr>
+            <a:picLocks noChangeAspect="1"/>
+          </p:cNvPicPr>
+          <p:nvPr/>
+        </p:nvPicPr>
+        <p:blipFill>
+          <a:blip r:embed="rId2"/>
+          <a:stretch>
+            <a:fillRect/>
+          </a:stretch>
+        </p:blipFill>
+        <p:spPr>
+          <a:xfrm>
+            <a:off x="3569747" y="2428753"/>
+            <a:ext cx="5052505" cy="3148920"/>
+          </a:xfrm>
+          <a:prstGeom prst="rect">
+            <a:avLst/>
+          </a:prstGeom>
+        </p:spPr>
+      </p:pic>
+    </p:spTree>
+    <p:extLst>
+      <p:ext uri="{BB962C8B-B14F-4D97-AF65-F5344CB8AC3E}">
+        <p14:creationId xmlns:p14="http://schemas.microsoft.com/office/powerpoint/2010/main" val="1326733881"/>
       </p:ext>
     </p:extLst>
   </p:cSld>
